--- a/flask.pptx
+++ b/flask.pptx
@@ -5,24 +5,26 @@
     <p:sldMasterId id="2147483665" r:id="rId1"/>
   </p:sldMasterIdLst>
   <p:notesMasterIdLst>
-    <p:notesMasterId r:id="rId7"/>
+    <p:notesMasterId r:id="rId9"/>
   </p:notesMasterIdLst>
   <p:sldIdLst>
     <p:sldId id="256" r:id="rId2"/>
     <p:sldId id="263" r:id="rId3"/>
     <p:sldId id="265" r:id="rId4"/>
     <p:sldId id="266" r:id="rId5"/>
-    <p:sldId id="262" r:id="rId6"/>
+    <p:sldId id="267" r:id="rId6"/>
+    <p:sldId id="268" r:id="rId7"/>
+    <p:sldId id="262" r:id="rId8"/>
   </p:sldIdLst>
   <p:sldSz cx="12192000" cy="6858000"/>
   <p:notesSz cx="6858000" cy="9144000"/>
   <p:embeddedFontLst>
     <p:embeddedFont>
       <p:font typeface="Century Gothic" panose="020B0502020202020204" pitchFamily="34" charset="0"/>
-      <p:regular r:id="rId8"/>
-      <p:bold r:id="rId9"/>
-      <p:italic r:id="rId10"/>
-      <p:boldItalic r:id="rId11"/>
+      <p:regular r:id="rId10"/>
+      <p:bold r:id="rId11"/>
+      <p:italic r:id="rId12"/>
+      <p:boldItalic r:id="rId13"/>
     </p:embeddedFont>
   </p:embeddedFontLst>
   <p:defaultTextStyle>
@@ -18775,21 +18777,7 @@
           <a:p>
             <a:r>
               <a:rPr lang="ru-RU" dirty="0"/>
-              <a:t>Пользователь регистрируются, добавляют</a:t>
-            </a:r>
-            <a:r>
-              <a:rPr lang="en-US" dirty="0"/>
-              <a:t>/</a:t>
-            </a:r>
-            <a:r>
-              <a:rPr lang="ru-RU" dirty="0"/>
-              <a:t>изменяют товары </a:t>
-            </a:r>
-          </a:p>
-          <a:p>
-            <a:r>
-              <a:rPr lang="ru-RU" dirty="0"/>
-              <a:t>Можно сделать за товарами на </a:t>
+              <a:t>Пользователь регистрируются, добавляют товары, которые хотят купить на </a:t>
             </a:r>
             <a:r>
               <a:rPr lang="en-US" dirty="0" err="1"/>
@@ -18800,7 +18788,13 @@
           <a:p>
             <a:r>
               <a:rPr lang="ru-RU" dirty="0"/>
-              <a:t>Создать телеграмм бота, чтобы он мог сообщать вам цену товара, когда она понизится</a:t>
+              <a:t>Указывают цену, за которую они готовы их купить, цену можно изменить</a:t>
+            </a:r>
+          </a:p>
+          <a:p>
+            <a:r>
+              <a:rPr lang="ru-RU" dirty="0"/>
+              <a:t>Бот сообщит когда цена понизится и отправить ссылку на продавца</a:t>
             </a:r>
           </a:p>
           <a:p>
@@ -18998,7 +18992,7 @@
             <a:pPr algn="ctr"/>
             <a:r>
               <a:rPr lang="ru-RU" dirty="0"/>
-              <a:t>Фотка кода</a:t>
+              <a:t>Регистрация</a:t>
             </a:r>
           </a:p>
         </p:txBody>
@@ -19053,6 +19047,36 @@
           </a:p>
         </p:txBody>
       </p:sp>
+      <p:pic>
+        <p:nvPicPr>
+          <p:cNvPr id="6" name="Рисунок 5" descr="Изображение выглядит как текст&#10;&#10;Автоматически созданное описание">
+            <a:extLst>
+              <a:ext uri="{FF2B5EF4-FFF2-40B4-BE49-F238E27FC236}">
+                <a16:creationId xmlns:a16="http://schemas.microsoft.com/office/drawing/2014/main" id="{15611093-EF22-49F8-8BC7-DF1EBC793535}"/>
+              </a:ext>
+            </a:extLst>
+          </p:cNvPr>
+          <p:cNvPicPr>
+            <a:picLocks noChangeAspect="1"/>
+          </p:cNvPicPr>
+          <p:nvPr/>
+        </p:nvPicPr>
+        <p:blipFill>
+          <a:blip r:embed="rId2"/>
+          <a:stretch>
+            <a:fillRect/>
+          </a:stretch>
+        </p:blipFill>
+        <p:spPr>
+          <a:xfrm>
+            <a:off x="3619165" y="2194559"/>
+            <a:ext cx="4801270" cy="2838846"/>
+          </a:xfrm>
+          <a:prstGeom prst="rect">
+            <a:avLst/>
+          </a:prstGeom>
+        </p:spPr>
+      </p:pic>
     </p:spTree>
     <p:extLst>
       <p:ext uri="{BB962C8B-B14F-4D97-AF65-F5344CB8AC3E}">
@@ -19067,6 +19091,160 @@
 </file>
 
 <file path=ppt/slides/slide5.xml><?xml version="1.0" encoding="utf-8"?>
+<p:sld xmlns:a="http://schemas.openxmlformats.org/drawingml/2006/main" xmlns:r="http://schemas.openxmlformats.org/officeDocument/2006/relationships" xmlns:p="http://schemas.openxmlformats.org/presentationml/2006/main">
+  <p:cSld>
+    <p:spTree>
+      <p:nvGrpSpPr>
+        <p:cNvPr id="1" name=""/>
+        <p:cNvGrpSpPr/>
+        <p:nvPr/>
+      </p:nvGrpSpPr>
+      <p:grpSpPr>
+        <a:xfrm>
+          <a:off x="0" y="0"/>
+          <a:ext cx="0" cy="0"/>
+          <a:chOff x="0" y="0"/>
+          <a:chExt cx="0" cy="0"/>
+        </a:xfrm>
+      </p:grpSpPr>
+      <p:pic>
+        <p:nvPicPr>
+          <p:cNvPr id="6" name="Рисунок 5" descr="Изображение выглядит как текст&#10;&#10;Автоматически созданное описание">
+            <a:extLst>
+              <a:ext uri="{FF2B5EF4-FFF2-40B4-BE49-F238E27FC236}">
+                <a16:creationId xmlns:a16="http://schemas.microsoft.com/office/drawing/2014/main" id="{6878843D-BA4D-435A-B992-AB07E11D51B2}"/>
+              </a:ext>
+            </a:extLst>
+          </p:cNvPr>
+          <p:cNvPicPr>
+            <a:picLocks noChangeAspect="1"/>
+          </p:cNvPicPr>
+          <p:nvPr/>
+        </p:nvPicPr>
+        <p:blipFill>
+          <a:blip r:embed="rId2"/>
+          <a:stretch>
+            <a:fillRect/>
+          </a:stretch>
+        </p:blipFill>
+        <p:spPr>
+          <a:xfrm>
+            <a:off x="2310413" y="1718271"/>
+            <a:ext cx="7277470" cy="4309226"/>
+          </a:xfrm>
+          <a:prstGeom prst="rect">
+            <a:avLst/>
+          </a:prstGeom>
+        </p:spPr>
+      </p:pic>
+      <p:sp>
+        <p:nvSpPr>
+          <p:cNvPr id="9" name="Заголовок 8">
+            <a:extLst>
+              <a:ext uri="{FF2B5EF4-FFF2-40B4-BE49-F238E27FC236}">
+                <a16:creationId xmlns:a16="http://schemas.microsoft.com/office/drawing/2014/main" id="{F86BB03A-8A89-4A57-A6E9-B2EC987BE5C2}"/>
+              </a:ext>
+            </a:extLst>
+          </p:cNvPr>
+          <p:cNvSpPr>
+            <a:spLocks noGrp="1"/>
+          </p:cNvSpPr>
+          <p:nvPr>
+            <p:ph type="title"/>
+          </p:nvPr>
+        </p:nvSpPr>
+        <p:spPr>
+          <a:xfrm>
+            <a:off x="1333129" y="276100"/>
+            <a:ext cx="8610600" cy="1293028"/>
+          </a:xfrm>
+        </p:spPr>
+        <p:txBody>
+          <a:bodyPr/>
+          <a:lstStyle/>
+          <a:p>
+            <a:pPr algn="ctr"/>
+            <a:r>
+              <a:rPr lang="ru-RU" dirty="0"/>
+              <a:t>Проверка цены товаров</a:t>
+            </a:r>
+          </a:p>
+        </p:txBody>
+      </p:sp>
+    </p:spTree>
+    <p:extLst>
+      <p:ext uri="{BB962C8B-B14F-4D97-AF65-F5344CB8AC3E}">
+        <p14:creationId xmlns:p14="http://schemas.microsoft.com/office/powerpoint/2010/main" val="3506079578"/>
+      </p:ext>
+    </p:extLst>
+  </p:cSld>
+  <p:clrMapOvr>
+    <a:masterClrMapping/>
+  </p:clrMapOvr>
+</p:sld>
+</file>
+
+<file path=ppt/slides/slide6.xml><?xml version="1.0" encoding="utf-8"?>
+<p:sld xmlns:a="http://schemas.openxmlformats.org/drawingml/2006/main" xmlns:r="http://schemas.openxmlformats.org/officeDocument/2006/relationships" xmlns:p="http://schemas.openxmlformats.org/presentationml/2006/main">
+  <p:cSld>
+    <p:spTree>
+      <p:nvGrpSpPr>
+        <p:cNvPr id="1" name=""/>
+        <p:cNvGrpSpPr/>
+        <p:nvPr/>
+      </p:nvGrpSpPr>
+      <p:grpSpPr>
+        <a:xfrm>
+          <a:off x="0" y="0"/>
+          <a:ext cx="0" cy="0"/>
+          <a:chOff x="0" y="0"/>
+          <a:chExt cx="0" cy="0"/>
+        </a:xfrm>
+      </p:grpSpPr>
+      <p:pic>
+        <p:nvPicPr>
+          <p:cNvPr id="2" name="Рисунок 1">
+            <a:extLst>
+              <a:ext uri="{FF2B5EF4-FFF2-40B4-BE49-F238E27FC236}">
+                <a16:creationId xmlns:a16="http://schemas.microsoft.com/office/drawing/2014/main" id="{7B54FB6D-EBC0-4BE2-ABA8-4C3FA9460901}"/>
+              </a:ext>
+            </a:extLst>
+          </p:cNvPr>
+          <p:cNvPicPr>
+            <a:picLocks noChangeAspect="1"/>
+          </p:cNvPicPr>
+          <p:nvPr/>
+        </p:nvPicPr>
+        <p:blipFill>
+          <a:blip r:embed="rId2"/>
+          <a:stretch>
+            <a:fillRect/>
+          </a:stretch>
+        </p:blipFill>
+        <p:spPr>
+          <a:xfrm>
+            <a:off x="1403611" y="1110365"/>
+            <a:ext cx="8803911" cy="4358280"/>
+          </a:xfrm>
+          <a:prstGeom prst="rect">
+            <a:avLst/>
+          </a:prstGeom>
+        </p:spPr>
+      </p:pic>
+    </p:spTree>
+    <p:extLst>
+      <p:ext uri="{BB962C8B-B14F-4D97-AF65-F5344CB8AC3E}">
+        <p14:creationId xmlns:p14="http://schemas.microsoft.com/office/powerpoint/2010/main" val="3703074187"/>
+      </p:ext>
+    </p:extLst>
+  </p:cSld>
+  <p:clrMapOvr>
+    <a:masterClrMapping/>
+  </p:clrMapOvr>
+</p:sld>
+</file>
+
+<file path=ppt/slides/slide7.xml><?xml version="1.0" encoding="utf-8"?>
 <p:sld xmlns:a="http://schemas.openxmlformats.org/drawingml/2006/main" xmlns:r="http://schemas.openxmlformats.org/officeDocument/2006/relationships" xmlns:p="http://schemas.openxmlformats.org/presentationml/2006/main">
   <p:cSld>
     <p:spTree>
